--- a/200820/20.08.20.pptx
+++ b/200820/20.08.20.pptx
@@ -3605,7 +3605,7 @@
     <mc:Choice Requires="p14">
       <p:transition/>
     </mc:Choice>
-    <mc:Fallback xmlns="" xmlns:c="http://schemas.openxmlformats.org/drawingml/2006/chart" xmlns:dgm="http://schemas.openxmlformats.org/drawingml/2006/diagram" xmlns:dsp="http://schemas.microsoft.com/office/drawing/2008/diagram">
+    <mc:Fallback xmlns:dsp="http://schemas.microsoft.com/office/drawing/2008/diagram" xmlns:dgm="http://schemas.openxmlformats.org/drawingml/2006/diagram" xmlns:c="http://schemas.openxmlformats.org/drawingml/2006/chart" xmlns="">
       <p:transition/>
     </mc:Fallback>
   </mc:AlternateContent>
@@ -4276,7 +4276,7 @@
     <mc:Choice Requires="p14">
       <p:transition/>
     </mc:Choice>
-    <mc:Fallback xmlns="" xmlns:c="http://schemas.openxmlformats.org/drawingml/2006/chart" xmlns:dgm="http://schemas.openxmlformats.org/drawingml/2006/diagram" xmlns:dsp="http://schemas.microsoft.com/office/drawing/2008/diagram">
+    <mc:Fallback xmlns:dsp="http://schemas.microsoft.com/office/drawing/2008/diagram" xmlns:dgm="http://schemas.openxmlformats.org/drawingml/2006/diagram" xmlns:c="http://schemas.openxmlformats.org/drawingml/2006/chart" xmlns="">
       <p:transition/>
     </mc:Fallback>
   </mc:AlternateContent>
@@ -4896,7 +4896,7 @@
     <mc:Choice Requires="p14">
       <p:transition/>
     </mc:Choice>
-    <mc:Fallback xmlns="" xmlns:c="http://schemas.openxmlformats.org/drawingml/2006/chart" xmlns:dgm="http://schemas.openxmlformats.org/drawingml/2006/diagram" xmlns:dsp="http://schemas.microsoft.com/office/drawing/2008/diagram">
+    <mc:Fallback xmlns:dsp="http://schemas.microsoft.com/office/drawing/2008/diagram" xmlns:dgm="http://schemas.openxmlformats.org/drawingml/2006/diagram" xmlns:c="http://schemas.openxmlformats.org/drawingml/2006/chart" xmlns="">
       <p:transition/>
     </mc:Fallback>
   </mc:AlternateContent>
@@ -6719,9 +6719,9 @@
         </p:nvGrpSpPr>
         <p:grpSpPr>
           <a:xfrm>
-            <a:off x="737371" y="970887"/>
+            <a:off x="737371" y="769618"/>
             <a:ext cx="11054938" cy="5318764"/>
-            <a:chOff x="1263582" y="229016"/>
+            <a:chOff x="1263582" y="27747"/>
             <a:chExt cx="11054938" cy="5318764"/>
           </a:xfrm>
         </p:grpSpPr>
@@ -6786,7 +6786,7 @@
           </p:nvSpPr>
           <p:spPr>
             <a:xfrm>
-              <a:off x="1263582" y="229016"/>
+              <a:off x="1263582" y="27747"/>
               <a:ext cx="11054938" cy="5318764"/>
             </a:xfrm>
             <a:prstGeom prst="rect">
@@ -7807,7 +7807,7 @@
                 <a:defRPr/>
               </a:pPr>
               <a:r>
-                <a:rPr lang="ko-KR" altLang="en-US" sz="1500" dirty="0">
+                <a:rPr lang="en-US" altLang="ko-KR" sz="1500" dirty="0">
                   <a:solidFill>
                     <a:schemeClr val="tx1">
                       <a:lumMod val="50000"/>
@@ -7817,7 +7817,20 @@
                   <a:latin typeface="바탕"/>
                   <a:ea typeface="바탕"/>
                 </a:rPr>
-                <a:t>결론 </a:t>
+                <a:t>6. VMware Workstation</a:t>
+              </a:r>
+              <a:r>
+                <a:rPr lang="ko-KR" altLang="en-US" sz="1500" dirty="0">
+                  <a:solidFill>
+                    <a:schemeClr val="tx1">
+                      <a:lumMod val="50000"/>
+                      <a:lumOff val="50000"/>
+                    </a:schemeClr>
+                  </a:solidFill>
+                  <a:latin typeface="바탕"/>
+                  <a:ea typeface="바탕"/>
+                </a:rPr>
+                <a:t>대신 </a:t>
               </a:r>
               <a:r>
                 <a:rPr lang="en-US" altLang="ko-KR" sz="1500" dirty="0">
@@ -7830,7 +7843,7 @@
                   <a:latin typeface="바탕"/>
                   <a:ea typeface="바탕"/>
                 </a:rPr>
-                <a:t>: </a:t>
+                <a:t>Virtual box</a:t>
               </a:r>
               <a:r>
                 <a:rPr lang="ko-KR" altLang="en-US" sz="1500" dirty="0">
@@ -7843,7 +7856,7 @@
                   <a:latin typeface="바탕"/>
                   <a:ea typeface="바탕"/>
                 </a:rPr>
-                <a:t>책을 잘 보고</a:t>
+                <a:t>를 사용해도 된다</a:t>
               </a:r>
               <a:r>
                 <a:rPr lang="en-US" altLang="ko-KR" sz="1500" dirty="0">
@@ -7856,137 +7869,7 @@
                   <a:latin typeface="바탕"/>
                   <a:ea typeface="바탕"/>
                 </a:rPr>
-                <a:t>, </a:t>
-              </a:r>
-              <a:r>
-                <a:rPr lang="ko-KR" altLang="en-US" sz="1500" dirty="0">
-                  <a:solidFill>
-                    <a:schemeClr val="tx1">
-                      <a:lumMod val="50000"/>
-                      <a:lumOff val="50000"/>
-                    </a:schemeClr>
-                  </a:solidFill>
-                  <a:latin typeface="바탕"/>
-                  <a:ea typeface="바탕"/>
-                </a:rPr>
-                <a:t>모르는 건 </a:t>
-              </a:r>
-              <a:r>
-                <a:rPr lang="en-US" altLang="ko-KR" sz="1500" dirty="0">
-                  <a:solidFill>
-                    <a:schemeClr val="tx1">
-                      <a:lumMod val="50000"/>
-                      <a:lumOff val="50000"/>
-                    </a:schemeClr>
-                  </a:solidFill>
-                  <a:latin typeface="바탕"/>
-                  <a:ea typeface="바탕"/>
-                </a:rPr>
-                <a:t>ROS wiki</a:t>
-              </a:r>
-              <a:r>
-                <a:rPr lang="ko-KR" altLang="en-US" sz="1500" dirty="0">
-                  <a:solidFill>
-                    <a:schemeClr val="tx1">
-                      <a:lumMod val="50000"/>
-                      <a:lumOff val="50000"/>
-                    </a:schemeClr>
-                  </a:solidFill>
-                  <a:latin typeface="바탕"/>
-                  <a:ea typeface="바탕"/>
-                </a:rPr>
-                <a:t>보고</a:t>
-              </a:r>
-              <a:r>
-                <a:rPr lang="en-US" altLang="ko-KR" sz="1500" dirty="0">
-                  <a:solidFill>
-                    <a:schemeClr val="tx1">
-                      <a:lumMod val="50000"/>
-                      <a:lumOff val="50000"/>
-                    </a:schemeClr>
-                  </a:solidFill>
-                  <a:latin typeface="바탕"/>
-                  <a:ea typeface="바탕"/>
-                </a:rPr>
-                <a:t>, </a:t>
-              </a:r>
-              <a:r>
-                <a:rPr lang="ko-KR" altLang="en-US" sz="1500" dirty="0">
-                  <a:solidFill>
-                    <a:schemeClr val="tx1">
-                      <a:lumMod val="50000"/>
-                      <a:lumOff val="50000"/>
-                    </a:schemeClr>
-                  </a:solidFill>
-                  <a:latin typeface="바탕"/>
-                  <a:ea typeface="바탕"/>
-                </a:rPr>
-                <a:t>그래도 모르면 </a:t>
-              </a:r>
-              <a:r>
-                <a:rPr lang="en-US" altLang="ko-KR" sz="1500" dirty="0">
-                  <a:solidFill>
-                    <a:schemeClr val="tx1">
-                      <a:lumMod val="50000"/>
-                      <a:lumOff val="50000"/>
-                    </a:schemeClr>
-                  </a:solidFill>
-                  <a:latin typeface="바탕"/>
-                  <a:ea typeface="바탕"/>
-                </a:rPr>
-                <a:t>googling</a:t>
-              </a:r>
-              <a:r>
-                <a:rPr lang="ko-KR" altLang="en-US" sz="1500" dirty="0">
-                  <a:solidFill>
-                    <a:schemeClr val="tx1">
-                      <a:lumMod val="50000"/>
-                      <a:lumOff val="50000"/>
-                    </a:schemeClr>
-                  </a:solidFill>
-                  <a:latin typeface="바탕"/>
-                  <a:ea typeface="바탕"/>
-                </a:rPr>
-                <a:t> 하자</a:t>
-              </a:r>
-              <a:r>
-                <a:rPr lang="en-US" altLang="ko-KR" sz="1500" dirty="0">
-                  <a:solidFill>
-                    <a:schemeClr val="tx1">
-                      <a:lumMod val="50000"/>
-                      <a:lumOff val="50000"/>
-                    </a:schemeClr>
-                  </a:solidFill>
-                  <a:latin typeface="바탕"/>
-                  <a:ea typeface="바탕"/>
-                </a:rPr>
-                <a:t>! </a:t>
-              </a:r>
-              <a:r>
-                <a:rPr lang="ko-KR" altLang="en-US" sz="1500" dirty="0">
-                  <a:solidFill>
-                    <a:schemeClr val="tx1">
-                      <a:lumMod val="50000"/>
-                      <a:lumOff val="50000"/>
-                    </a:schemeClr>
-                  </a:solidFill>
-                  <a:latin typeface="바탕"/>
-                  <a:ea typeface="바탕"/>
-                </a:rPr>
-                <a:t>계속 공부하면 어느 순간 이해가 될 것이다</a:t>
-              </a:r>
-              <a:r>
-                <a:rPr lang="en-US" altLang="ko-KR" sz="1500" dirty="0">
-                  <a:solidFill>
-                    <a:schemeClr val="tx1">
-                      <a:lumMod val="50000"/>
-                      <a:lumOff val="50000"/>
-                    </a:schemeClr>
-                  </a:solidFill>
-                  <a:latin typeface="바탕"/>
-                  <a:ea typeface="바탕"/>
-                </a:rPr>
-                <a:t>…</a:t>
+                <a:t>.</a:t>
               </a:r>
             </a:p>
             <a:p>
@@ -8008,22 +7891,194 @@
               </a:endParaRPr>
             </a:p>
             <a:p>
-              <a:pPr>
+              <a:pPr lvl="1">
                 <a:lnSpc>
                   <a:spcPct val="120000"/>
                 </a:lnSpc>
                 <a:defRPr/>
               </a:pPr>
-              <a:endParaRPr lang="en-US" altLang="ko-KR" sz="1500" dirty="0">
-                <a:solidFill>
-                  <a:schemeClr val="tx1">
-                    <a:lumMod val="50000"/>
-                    <a:lumOff val="50000"/>
-                  </a:schemeClr>
-                </a:solidFill>
-                <a:latin typeface="바탕"/>
-                <a:ea typeface="바탕"/>
-              </a:endParaRPr>
+              <a:r>
+                <a:rPr lang="ko-KR" altLang="en-US" sz="1500" dirty="0">
+                  <a:solidFill>
+                    <a:schemeClr val="tx1">
+                      <a:lumMod val="50000"/>
+                      <a:lumOff val="50000"/>
+                    </a:schemeClr>
+                  </a:solidFill>
+                  <a:latin typeface="바탕"/>
+                  <a:ea typeface="바탕"/>
+                </a:rPr>
+                <a:t>결론 </a:t>
+              </a:r>
+              <a:r>
+                <a:rPr lang="en-US" altLang="ko-KR" sz="1500" dirty="0">
+                  <a:solidFill>
+                    <a:schemeClr val="tx1">
+                      <a:lumMod val="50000"/>
+                      <a:lumOff val="50000"/>
+                    </a:schemeClr>
+                  </a:solidFill>
+                  <a:latin typeface="바탕"/>
+                  <a:ea typeface="바탕"/>
+                </a:rPr>
+                <a:t>: </a:t>
+              </a:r>
+              <a:r>
+                <a:rPr lang="ko-KR" altLang="en-US" sz="1500" dirty="0">
+                  <a:solidFill>
+                    <a:schemeClr val="tx1">
+                      <a:lumMod val="50000"/>
+                      <a:lumOff val="50000"/>
+                    </a:schemeClr>
+                  </a:solidFill>
+                  <a:latin typeface="바탕"/>
+                  <a:ea typeface="바탕"/>
+                </a:rPr>
+                <a:t>책을 잘 보고</a:t>
+              </a:r>
+              <a:r>
+                <a:rPr lang="en-US" altLang="ko-KR" sz="1500" dirty="0">
+                  <a:solidFill>
+                    <a:schemeClr val="tx1">
+                      <a:lumMod val="50000"/>
+                      <a:lumOff val="50000"/>
+                    </a:schemeClr>
+                  </a:solidFill>
+                  <a:latin typeface="바탕"/>
+                  <a:ea typeface="바탕"/>
+                </a:rPr>
+                <a:t>, </a:t>
+              </a:r>
+              <a:r>
+                <a:rPr lang="ko-KR" altLang="en-US" sz="1500" dirty="0">
+                  <a:solidFill>
+                    <a:schemeClr val="tx1">
+                      <a:lumMod val="50000"/>
+                      <a:lumOff val="50000"/>
+                    </a:schemeClr>
+                  </a:solidFill>
+                  <a:latin typeface="바탕"/>
+                  <a:ea typeface="바탕"/>
+                </a:rPr>
+                <a:t>모르는 건 </a:t>
+              </a:r>
+              <a:r>
+                <a:rPr lang="en-US" altLang="ko-KR" sz="1500" dirty="0">
+                  <a:solidFill>
+                    <a:schemeClr val="tx1">
+                      <a:lumMod val="50000"/>
+                      <a:lumOff val="50000"/>
+                    </a:schemeClr>
+                  </a:solidFill>
+                  <a:latin typeface="바탕"/>
+                  <a:ea typeface="바탕"/>
+                </a:rPr>
+                <a:t>ROS wiki</a:t>
+              </a:r>
+              <a:r>
+                <a:rPr lang="ko-KR" altLang="en-US" sz="1500" dirty="0">
+                  <a:solidFill>
+                    <a:schemeClr val="tx1">
+                      <a:lumMod val="50000"/>
+                      <a:lumOff val="50000"/>
+                    </a:schemeClr>
+                  </a:solidFill>
+                  <a:latin typeface="바탕"/>
+                  <a:ea typeface="바탕"/>
+                </a:rPr>
+                <a:t>보고</a:t>
+              </a:r>
+              <a:r>
+                <a:rPr lang="en-US" altLang="ko-KR" sz="1500" dirty="0">
+                  <a:solidFill>
+                    <a:schemeClr val="tx1">
+                      <a:lumMod val="50000"/>
+                      <a:lumOff val="50000"/>
+                    </a:schemeClr>
+                  </a:solidFill>
+                  <a:latin typeface="바탕"/>
+                  <a:ea typeface="바탕"/>
+                </a:rPr>
+                <a:t>, </a:t>
+              </a:r>
+              <a:r>
+                <a:rPr lang="ko-KR" altLang="en-US" sz="1500" dirty="0">
+                  <a:solidFill>
+                    <a:schemeClr val="tx1">
+                      <a:lumMod val="50000"/>
+                      <a:lumOff val="50000"/>
+                    </a:schemeClr>
+                  </a:solidFill>
+                  <a:latin typeface="바탕"/>
+                  <a:ea typeface="바탕"/>
+                </a:rPr>
+                <a:t>그래도 모르면 </a:t>
+              </a:r>
+              <a:r>
+                <a:rPr lang="en-US" altLang="ko-KR" sz="1500" dirty="0">
+                  <a:solidFill>
+                    <a:schemeClr val="tx1">
+                      <a:lumMod val="50000"/>
+                      <a:lumOff val="50000"/>
+                    </a:schemeClr>
+                  </a:solidFill>
+                  <a:latin typeface="바탕"/>
+                  <a:ea typeface="바탕"/>
+                </a:rPr>
+                <a:t>googling</a:t>
+              </a:r>
+              <a:r>
+                <a:rPr lang="ko-KR" altLang="en-US" sz="1500" dirty="0">
+                  <a:solidFill>
+                    <a:schemeClr val="tx1">
+                      <a:lumMod val="50000"/>
+                      <a:lumOff val="50000"/>
+                    </a:schemeClr>
+                  </a:solidFill>
+                  <a:latin typeface="바탕"/>
+                  <a:ea typeface="바탕"/>
+                </a:rPr>
+                <a:t> 하자</a:t>
+              </a:r>
+              <a:r>
+                <a:rPr lang="en-US" altLang="ko-KR" sz="1500" dirty="0">
+                  <a:solidFill>
+                    <a:schemeClr val="tx1">
+                      <a:lumMod val="50000"/>
+                      <a:lumOff val="50000"/>
+                    </a:schemeClr>
+                  </a:solidFill>
+                  <a:latin typeface="바탕"/>
+                  <a:ea typeface="바탕"/>
+                </a:rPr>
+                <a:t>! </a:t>
+              </a:r>
+              <a:r>
+                <a:rPr lang="ko-KR" altLang="en-US" sz="1500" dirty="0">
+                  <a:solidFill>
+                    <a:schemeClr val="tx1">
+                      <a:lumMod val="50000"/>
+                      <a:lumOff val="50000"/>
+                    </a:schemeClr>
+                  </a:solidFill>
+                  <a:latin typeface="바탕"/>
+                  <a:ea typeface="바탕"/>
+                </a:rPr>
+                <a:t>계속 공부하면 어느 순간 이해가 될 것이다</a:t>
+              </a:r>
+              <a:r>
+                <a:rPr lang="en-US" altLang="ko-KR" sz="1500" dirty="0">
+                  <a:solidFill>
+                    <a:schemeClr val="tx1">
+                      <a:lumMod val="50000"/>
+                      <a:lumOff val="50000"/>
+                    </a:schemeClr>
+                  </a:solidFill>
+                  <a:latin typeface="바탕"/>
+                  <a:ea typeface="바탕"/>
+                </a:rPr>
+                <a:t>…</a:t>
+              </a:r>
             </a:p>
           </p:txBody>
         </p:sp>
@@ -9144,7 +9199,7 @@
     <mc:Choice Requires="p14">
       <p:transition/>
     </mc:Choice>
-    <mc:Fallback xmlns="" xmlns:c="http://schemas.openxmlformats.org/drawingml/2006/chart" xmlns:dgm="http://schemas.openxmlformats.org/drawingml/2006/diagram" xmlns:dsp="http://schemas.microsoft.com/office/drawing/2008/diagram">
+    <mc:Fallback xmlns:dsp="http://schemas.microsoft.com/office/drawing/2008/diagram" xmlns:dgm="http://schemas.openxmlformats.org/drawingml/2006/diagram" xmlns:c="http://schemas.openxmlformats.org/drawingml/2006/chart" xmlns="">
       <p:transition/>
     </mc:Fallback>
   </mc:AlternateContent>
@@ -9299,7 +9354,7 @@
     <mc:Choice Requires="p14">
       <p:transition/>
     </mc:Choice>
-    <mc:Fallback xmlns="" xmlns:c="http://schemas.openxmlformats.org/drawingml/2006/chart" xmlns:dgm="http://schemas.openxmlformats.org/drawingml/2006/diagram" xmlns:dsp="http://schemas.microsoft.com/office/drawing/2008/diagram">
+    <mc:Fallback xmlns:dsp="http://schemas.microsoft.com/office/drawing/2008/diagram" xmlns:dgm="http://schemas.openxmlformats.org/drawingml/2006/diagram" xmlns:c="http://schemas.openxmlformats.org/drawingml/2006/chart" xmlns="">
       <p:transition/>
     </mc:Fallback>
   </mc:AlternateContent>
